--- a/[Unity] Random Tower Defense.pptx
+++ b/[Unity] Random Tower Defense.pptx
@@ -5,7 +5,7 @@
     <p:sldMasterId id="2147483648" r:id="rId1"/>
   </p:sldMasterIdLst>
   <p:notesMasterIdLst>
-    <p:notesMasterId r:id="rId16"/>
+    <p:notesMasterId r:id="rId17"/>
   </p:notesMasterIdLst>
   <p:sldIdLst>
     <p:sldId id="256" r:id="rId2"/>
@@ -21,7 +21,8 @@
     <p:sldId id="265" r:id="rId12"/>
     <p:sldId id="266" r:id="rId13"/>
     <p:sldId id="268" r:id="rId14"/>
-    <p:sldId id="270" r:id="rId15"/>
+    <p:sldId id="271" r:id="rId15"/>
+    <p:sldId id="270" r:id="rId16"/>
   </p:sldIdLst>
   <p:sldSz cx="9144000" cy="6858000" type="screen4x3"/>
   <p:notesSz cx="6858000" cy="9144000"/>
@@ -205,7 +206,7 @@
           <a:p>
             <a:fld id="{E179D9EB-CB33-4460-8DA1-6E62F3E7CA8C}" type="datetimeFigureOut">
               <a:rPr lang="ko-KR" altLang="en-US" smtClean="0"/>
-              <a:t>2018-01-29</a:t>
+              <a:t>2018-03-18</a:t>
             </a:fld>
             <a:endParaRPr lang="ko-KR" altLang="en-US"/>
           </a:p>
@@ -738,7 +739,7 @@
           <a:p>
             <a:fld id="{B4DC47F3-3A2F-4A82-83E2-564B786FF671}" type="datetimeFigureOut">
               <a:rPr lang="ko-KR" altLang="en-US" smtClean="0"/>
-              <a:t>2018-01-29</a:t>
+              <a:t>2018-03-18</a:t>
             </a:fld>
             <a:endParaRPr lang="ko-KR" altLang="en-US"/>
           </a:p>
@@ -908,7 +909,7 @@
           <a:p>
             <a:fld id="{B4DC47F3-3A2F-4A82-83E2-564B786FF671}" type="datetimeFigureOut">
               <a:rPr lang="ko-KR" altLang="en-US" smtClean="0"/>
-              <a:t>2018-01-29</a:t>
+              <a:t>2018-03-18</a:t>
             </a:fld>
             <a:endParaRPr lang="ko-KR" altLang="en-US"/>
           </a:p>
@@ -1088,7 +1089,7 @@
           <a:p>
             <a:fld id="{B4DC47F3-3A2F-4A82-83E2-564B786FF671}" type="datetimeFigureOut">
               <a:rPr lang="ko-KR" altLang="en-US" smtClean="0"/>
-              <a:t>2018-01-29</a:t>
+              <a:t>2018-03-18</a:t>
             </a:fld>
             <a:endParaRPr lang="ko-KR" altLang="en-US"/>
           </a:p>
@@ -1258,7 +1259,7 @@
           <a:p>
             <a:fld id="{B4DC47F3-3A2F-4A82-83E2-564B786FF671}" type="datetimeFigureOut">
               <a:rPr lang="ko-KR" altLang="en-US" smtClean="0"/>
-              <a:t>2018-01-29</a:t>
+              <a:t>2018-03-18</a:t>
             </a:fld>
             <a:endParaRPr lang="ko-KR" altLang="en-US"/>
           </a:p>
@@ -1504,7 +1505,7 @@
           <a:p>
             <a:fld id="{B4DC47F3-3A2F-4A82-83E2-564B786FF671}" type="datetimeFigureOut">
               <a:rPr lang="ko-KR" altLang="en-US" smtClean="0"/>
-              <a:t>2018-01-29</a:t>
+              <a:t>2018-03-18</a:t>
             </a:fld>
             <a:endParaRPr lang="ko-KR" altLang="en-US"/>
           </a:p>
@@ -1792,7 +1793,7 @@
           <a:p>
             <a:fld id="{B4DC47F3-3A2F-4A82-83E2-564B786FF671}" type="datetimeFigureOut">
               <a:rPr lang="ko-KR" altLang="en-US" smtClean="0"/>
-              <a:t>2018-01-29</a:t>
+              <a:t>2018-03-18</a:t>
             </a:fld>
             <a:endParaRPr lang="ko-KR" altLang="en-US"/>
           </a:p>
@@ -2214,7 +2215,7 @@
           <a:p>
             <a:fld id="{B4DC47F3-3A2F-4A82-83E2-564B786FF671}" type="datetimeFigureOut">
               <a:rPr lang="ko-KR" altLang="en-US" smtClean="0"/>
-              <a:t>2018-01-29</a:t>
+              <a:t>2018-03-18</a:t>
             </a:fld>
             <a:endParaRPr lang="ko-KR" altLang="en-US"/>
           </a:p>
@@ -2332,7 +2333,7 @@
           <a:p>
             <a:fld id="{B4DC47F3-3A2F-4A82-83E2-564B786FF671}" type="datetimeFigureOut">
               <a:rPr lang="ko-KR" altLang="en-US" smtClean="0"/>
-              <a:t>2018-01-29</a:t>
+              <a:t>2018-03-18</a:t>
             </a:fld>
             <a:endParaRPr lang="ko-KR" altLang="en-US"/>
           </a:p>
@@ -2427,7 +2428,7 @@
           <a:p>
             <a:fld id="{B4DC47F3-3A2F-4A82-83E2-564B786FF671}" type="datetimeFigureOut">
               <a:rPr lang="ko-KR" altLang="en-US" smtClean="0"/>
-              <a:t>2018-01-29</a:t>
+              <a:t>2018-03-18</a:t>
             </a:fld>
             <a:endParaRPr lang="ko-KR" altLang="en-US"/>
           </a:p>
@@ -2704,7 +2705,7 @@
           <a:p>
             <a:fld id="{B4DC47F3-3A2F-4A82-83E2-564B786FF671}" type="datetimeFigureOut">
               <a:rPr lang="ko-KR" altLang="en-US" smtClean="0"/>
-              <a:t>2018-01-29</a:t>
+              <a:t>2018-03-18</a:t>
             </a:fld>
             <a:endParaRPr lang="ko-KR" altLang="en-US"/>
           </a:p>
@@ -2957,7 +2958,7 @@
           <a:p>
             <a:fld id="{B4DC47F3-3A2F-4A82-83E2-564B786FF671}" type="datetimeFigureOut">
               <a:rPr lang="ko-KR" altLang="en-US" smtClean="0"/>
-              <a:t>2018-01-29</a:t>
+              <a:t>2018-03-18</a:t>
             </a:fld>
             <a:endParaRPr lang="ko-KR" altLang="en-US"/>
           </a:p>
@@ -3170,7 +3171,7 @@
           <a:p>
             <a:fld id="{B4DC47F3-3A2F-4A82-83E2-564B786FF671}" type="datetimeFigureOut">
               <a:rPr lang="ko-KR" altLang="en-US" smtClean="0"/>
-              <a:t>2018-01-29</a:t>
+              <a:t>2018-03-18</a:t>
             </a:fld>
             <a:endParaRPr lang="ko-KR" altLang="en-US"/>
           </a:p>
@@ -6725,16 +6726,220 @@
           <a:chExt cx="0" cy="0"/>
         </a:xfrm>
       </p:grpSpPr>
-      <p:sp>
-        <p:nvSpPr>
-          <p:cNvPr id="8" name="TextBox 7"/>
+      <p:grpSp>
+        <p:nvGrpSpPr>
+          <p:cNvPr id="14" name="그룹 13"/>
+          <p:cNvGrpSpPr/>
+          <p:nvPr/>
+        </p:nvGrpSpPr>
+        <p:grpSpPr>
+          <a:xfrm>
+            <a:off x="467543" y="2492896"/>
+            <a:ext cx="2962275" cy="2057400"/>
+            <a:chOff x="467543" y="2063105"/>
+            <a:chExt cx="2962275" cy="2057400"/>
+          </a:xfrm>
+        </p:grpSpPr>
+        <p:pic>
+          <p:nvPicPr>
+            <p:cNvPr id="1029" name="Picture 5" descr="C:\Nam\포트폴리오 스크린샷&amp;동영상\버틱스전.PNG"/>
+            <p:cNvPicPr>
+              <a:picLocks noChangeAspect="1" noChangeArrowheads="1"/>
+            </p:cNvPicPr>
+            <p:nvPr/>
+          </p:nvPicPr>
+          <p:blipFill>
+            <a:blip r:embed="rId2">
+              <a:extLst>
+                <a:ext uri="{28A0092B-C50C-407E-A947-70E740481C1C}">
+                  <a14:useLocalDpi xmlns:a14="http://schemas.microsoft.com/office/drawing/2010/main" val="0"/>
+                </a:ext>
+              </a:extLst>
+            </a:blip>
+            <a:srcRect/>
+            <a:stretch>
+              <a:fillRect/>
+            </a:stretch>
+          </p:blipFill>
+          <p:spPr bwMode="auto">
+            <a:xfrm>
+              <a:off x="467543" y="2063105"/>
+              <a:ext cx="2962275" cy="2057400"/>
+            </a:xfrm>
+            <a:prstGeom prst="rect">
+              <a:avLst/>
+            </a:prstGeom>
+            <a:noFill/>
+            <a:extLst>
+              <a:ext uri="{909E8E84-426E-40DD-AFC4-6F175D3DCCD1}">
+                <a14:hiddenFill xmlns:a14="http://schemas.microsoft.com/office/drawing/2010/main">
+                  <a:solidFill>
+                    <a:srgbClr val="FFFFFF"/>
+                  </a:solidFill>
+                </a14:hiddenFill>
+              </a:ext>
+            </a:extLst>
+          </p:spPr>
+        </p:pic>
+        <p:sp>
+          <p:nvSpPr>
+            <p:cNvPr id="7" name="직사각형 6"/>
+            <p:cNvSpPr/>
+            <p:nvPr/>
+          </p:nvSpPr>
+          <p:spPr>
+            <a:xfrm>
+              <a:off x="616545" y="3293098"/>
+              <a:ext cx="1944216" cy="144016"/>
+            </a:xfrm>
+            <a:prstGeom prst="rect">
+              <a:avLst/>
+            </a:prstGeom>
+            <a:noFill/>
+            <a:ln>
+              <a:solidFill>
+                <a:srgbClr val="FF0000"/>
+              </a:solidFill>
+            </a:ln>
+          </p:spPr>
+          <p:style>
+            <a:lnRef idx="2">
+              <a:schemeClr val="accent1">
+                <a:shade val="50000"/>
+              </a:schemeClr>
+            </a:lnRef>
+            <a:fillRef idx="1">
+              <a:schemeClr val="accent1"/>
+            </a:fillRef>
+            <a:effectRef idx="0">
+              <a:schemeClr val="accent1"/>
+            </a:effectRef>
+            <a:fontRef idx="minor">
+              <a:schemeClr val="lt1"/>
+            </a:fontRef>
+          </p:style>
+          <p:txBody>
+            <a:bodyPr rtlCol="0" anchor="ctr"/>
+            <a:lstStyle/>
+            <a:p>
+              <a:pPr algn="ctr"/>
+              <a:endParaRPr lang="ko-KR" altLang="en-US"/>
+            </a:p>
+          </p:txBody>
+        </p:sp>
+      </p:grpSp>
+      <p:grpSp>
+        <p:nvGrpSpPr>
+          <p:cNvPr id="15" name="그룹 14"/>
+          <p:cNvGrpSpPr/>
+          <p:nvPr/>
+        </p:nvGrpSpPr>
+        <p:grpSpPr>
+          <a:xfrm>
+            <a:off x="4283968" y="2466730"/>
+            <a:ext cx="2962275" cy="2047875"/>
+            <a:chOff x="5364088" y="4391793"/>
+            <a:chExt cx="2962275" cy="2047875"/>
+          </a:xfrm>
+        </p:grpSpPr>
+        <p:pic>
+          <p:nvPicPr>
+            <p:cNvPr id="1030" name="Picture 6" descr="C:\Nam\포트폴리오 스크린샷&amp;동영상\버틱스후.PNG"/>
+            <p:cNvPicPr>
+              <a:picLocks noChangeAspect="1" noChangeArrowheads="1"/>
+            </p:cNvPicPr>
+            <p:nvPr/>
+          </p:nvPicPr>
+          <p:blipFill>
+            <a:blip r:embed="rId3">
+              <a:extLst>
+                <a:ext uri="{28A0092B-C50C-407E-A947-70E740481C1C}">
+                  <a14:useLocalDpi xmlns:a14="http://schemas.microsoft.com/office/drawing/2010/main" val="0"/>
+                </a:ext>
+              </a:extLst>
+            </a:blip>
+            <a:srcRect/>
+            <a:stretch>
+              <a:fillRect/>
+            </a:stretch>
+          </p:blipFill>
+          <p:spPr bwMode="auto">
+            <a:xfrm>
+              <a:off x="5364088" y="4391793"/>
+              <a:ext cx="2962275" cy="2047875"/>
+            </a:xfrm>
+            <a:prstGeom prst="rect">
+              <a:avLst/>
+            </a:prstGeom>
+            <a:noFill/>
+            <a:extLst>
+              <a:ext uri="{909E8E84-426E-40DD-AFC4-6F175D3DCCD1}">
+                <a14:hiddenFill xmlns:a14="http://schemas.microsoft.com/office/drawing/2010/main">
+                  <a:solidFill>
+                    <a:srgbClr val="FFFFFF"/>
+                  </a:solidFill>
+                </a14:hiddenFill>
+              </a:ext>
+            </a:extLst>
+          </p:spPr>
+        </p:pic>
+        <p:sp>
+          <p:nvSpPr>
+            <p:cNvPr id="11" name="직사각형 10"/>
+            <p:cNvSpPr/>
+            <p:nvPr/>
+          </p:nvSpPr>
+          <p:spPr>
+            <a:xfrm>
+              <a:off x="5508104" y="5626408"/>
+              <a:ext cx="1944216" cy="144016"/>
+            </a:xfrm>
+            <a:prstGeom prst="rect">
+              <a:avLst/>
+            </a:prstGeom>
+            <a:noFill/>
+            <a:ln>
+              <a:solidFill>
+                <a:srgbClr val="FF0000"/>
+              </a:solidFill>
+            </a:ln>
+          </p:spPr>
+          <p:style>
+            <a:lnRef idx="2">
+              <a:schemeClr val="accent1">
+                <a:shade val="50000"/>
+              </a:schemeClr>
+            </a:lnRef>
+            <a:fillRef idx="1">
+              <a:schemeClr val="accent1"/>
+            </a:fillRef>
+            <a:effectRef idx="0">
+              <a:schemeClr val="accent1"/>
+            </a:effectRef>
+            <a:fontRef idx="minor">
+              <a:schemeClr val="lt1"/>
+            </a:fontRef>
+          </p:style>
+          <p:txBody>
+            <a:bodyPr rtlCol="0" anchor="ctr"/>
+            <a:lstStyle/>
+            <a:p>
+              <a:pPr algn="ctr"/>
+              <a:endParaRPr lang="ko-KR" altLang="en-US"/>
+            </a:p>
+          </p:txBody>
+        </p:sp>
+      </p:grpSp>
+      <p:sp>
+        <p:nvSpPr>
+          <p:cNvPr id="10" name="TextBox 9"/>
           <p:cNvSpPr txBox="1"/>
           <p:nvPr/>
         </p:nvSpPr>
         <p:spPr>
           <a:xfrm>
-            <a:off x="4239547" y="4573994"/>
-            <a:ext cx="4464496" cy="923330"/>
+            <a:off x="340842" y="796642"/>
+            <a:ext cx="4519190" cy="400110"/>
           </a:xfrm>
           <a:prstGeom prst="rect">
             <a:avLst/>
@@ -6748,54 +6953,35 @@
           <a:lstStyle/>
           <a:p>
             <a:r>
-              <a:rPr lang="ko-KR" altLang="en-US" dirty="0" smtClean="0"/>
-              <a:t>스크립트 최대 실행 시간 </a:t>
-            </a:r>
-            <a:r>
-              <a:rPr lang="en-US" altLang="ko-KR" dirty="0" smtClean="0"/>
-              <a:t>1.5ms </a:t>
-            </a:r>
-            <a:r>
-              <a:rPr lang="ko-KR" altLang="en-US" dirty="0" smtClean="0"/>
-              <a:t>이하로</a:t>
-            </a:r>
-            <a:endParaRPr lang="en-US" altLang="ko-KR" dirty="0" smtClean="0"/>
-          </a:p>
-          <a:p>
-            <a:r>
-              <a:rPr lang="ko-KR" altLang="en-US" dirty="0" smtClean="0"/>
-              <a:t>스크립트에 </a:t>
-            </a:r>
-            <a:r>
-              <a:rPr lang="ko-KR" altLang="en-US" dirty="0"/>
-              <a:t>의한 </a:t>
-            </a:r>
-            <a:r>
-              <a:rPr lang="ko-KR" altLang="en-US" dirty="0" err="1"/>
-              <a:t>퍼포먼스의</a:t>
-            </a:r>
-            <a:r>
-              <a:rPr lang="ko-KR" altLang="en-US" dirty="0"/>
-              <a:t> 문제는 발생하지 </a:t>
-            </a:r>
-            <a:r>
-              <a:rPr lang="ko-KR" altLang="en-US" dirty="0" smtClean="0"/>
-              <a:t>않음</a:t>
-            </a:r>
-            <a:endParaRPr lang="ko-KR" altLang="en-US" dirty="0"/>
-          </a:p>
-        </p:txBody>
-      </p:sp>
-      <p:sp>
-        <p:nvSpPr>
-          <p:cNvPr id="9" name="TextBox 8"/>
+              <a:rPr lang="en-US" altLang="ko-KR" sz="2000" dirty="0" smtClean="0"/>
+              <a:t>1) Triangle</a:t>
+            </a:r>
+            <a:r>
+              <a:rPr lang="ko-KR" altLang="en-US" sz="2000" dirty="0" smtClean="0"/>
+              <a:t>와 </a:t>
+            </a:r>
+            <a:r>
+              <a:rPr lang="en-US" altLang="ko-KR" sz="2000" dirty="0" smtClean="0"/>
+              <a:t>Vertex </a:t>
+            </a:r>
+            <a:r>
+              <a:rPr lang="ko-KR" altLang="en-US" sz="2000" dirty="0" smtClean="0"/>
+              <a:t>줄이기</a:t>
+            </a:r>
+            <a:endParaRPr lang="ko-KR" altLang="en-US" sz="2000" dirty="0"/>
+          </a:p>
+        </p:txBody>
+      </p:sp>
+      <p:sp>
+        <p:nvSpPr>
+          <p:cNvPr id="12" name="TextBox 11"/>
           <p:cNvSpPr txBox="1"/>
           <p:nvPr/>
         </p:nvSpPr>
         <p:spPr>
           <a:xfrm>
-            <a:off x="275861" y="188640"/>
-            <a:ext cx="4392488" cy="461665"/>
+            <a:off x="395536" y="1556792"/>
+            <a:ext cx="5256585" cy="369332"/>
           </a:xfrm>
           <a:prstGeom prst="rect">
             <a:avLst/>
@@ -6809,58 +6995,338 @@
           <a:lstStyle/>
           <a:p>
             <a:r>
+              <a:rPr lang="ko-KR" altLang="en-US" dirty="0" smtClean="0"/>
+              <a:t>타일의 </a:t>
+            </a:r>
+            <a:r>
+              <a:rPr lang="en-US" altLang="ko-KR" dirty="0" smtClean="0"/>
+              <a:t>Mesh</a:t>
+            </a:r>
+            <a:r>
+              <a:rPr lang="ko-KR" altLang="en-US" dirty="0" smtClean="0"/>
+              <a:t>를 </a:t>
+            </a:r>
+            <a:r>
+              <a:rPr lang="en-US" altLang="ko-KR" dirty="0" smtClean="0"/>
+              <a:t>Plane</a:t>
+            </a:r>
+            <a:r>
+              <a:rPr lang="ko-KR" altLang="en-US" dirty="0" smtClean="0"/>
+              <a:t>에서 </a:t>
+            </a:r>
+            <a:r>
+              <a:rPr lang="en-US" altLang="ko-KR" dirty="0" smtClean="0"/>
+              <a:t>cube</a:t>
+            </a:r>
+            <a:r>
+              <a:rPr lang="ko-KR" altLang="en-US" dirty="0" smtClean="0"/>
+              <a:t>로 수정</a:t>
+            </a:r>
+            <a:endParaRPr lang="ko-KR" altLang="en-US" dirty="0"/>
+          </a:p>
+        </p:txBody>
+      </p:sp>
+      <p:sp>
+        <p:nvSpPr>
+          <p:cNvPr id="13" name="TextBox 12"/>
+          <p:cNvSpPr txBox="1"/>
+          <p:nvPr/>
+        </p:nvSpPr>
+        <p:spPr>
+          <a:xfrm>
+            <a:off x="460660" y="4797152"/>
+            <a:ext cx="4183347" cy="1477328"/>
+          </a:xfrm>
+          <a:prstGeom prst="rect">
+            <a:avLst/>
+          </a:prstGeom>
+          <a:noFill/>
+        </p:spPr>
+        <p:txBody>
+          <a:bodyPr wrap="square" rtlCol="0">
+            <a:spAutoFit/>
+          </a:bodyPr>
+          <a:lstStyle/>
+          <a:p>
+            <a:r>
+              <a:rPr lang="en-US" altLang="ko-KR" dirty="0" smtClean="0"/>
+              <a:t>Triangle</a:t>
+            </a:r>
+            <a:r>
+              <a:rPr lang="ko-KR" altLang="en-US" dirty="0" smtClean="0"/>
+              <a:t>의 수 </a:t>
+            </a:r>
+            <a:r>
+              <a:rPr lang="en-US" altLang="ko-KR" dirty="0" smtClean="0"/>
+              <a:t>: 60.4k → 6.3k</a:t>
+            </a:r>
+          </a:p>
+          <a:p>
+            <a:endParaRPr lang="en-US" altLang="ko-KR" dirty="0" smtClean="0"/>
+          </a:p>
+          <a:p>
+            <a:r>
+              <a:rPr lang="en-US" altLang="ko-KR" dirty="0"/>
+              <a:t>Vertex</a:t>
+            </a:r>
+            <a:r>
+              <a:rPr lang="ko-KR" altLang="en-US" dirty="0"/>
+              <a:t>의 수 </a:t>
+            </a:r>
+            <a:r>
+              <a:rPr lang="en-US" altLang="ko-KR" dirty="0"/>
+              <a:t>: 41.7k → </a:t>
+            </a:r>
+            <a:r>
+              <a:rPr lang="en-US" altLang="ko-KR" dirty="0" smtClean="0"/>
+              <a:t>13.7k</a:t>
+            </a:r>
+            <a:r>
+              <a:rPr lang="ko-KR" altLang="en-US" dirty="0" smtClean="0"/>
+              <a:t>로</a:t>
+            </a:r>
+            <a:endParaRPr lang="en-US" altLang="ko-KR" dirty="0" smtClean="0"/>
+          </a:p>
+          <a:p>
+            <a:endParaRPr lang="en-US" altLang="ko-KR" dirty="0" smtClean="0"/>
+          </a:p>
+          <a:p>
+            <a:r>
+              <a:rPr lang="en-US" altLang="ko-KR" dirty="0" smtClean="0"/>
+              <a:t>GPU </a:t>
+            </a:r>
+            <a:r>
+              <a:rPr lang="ko-KR" altLang="en-US" dirty="0" smtClean="0"/>
+              <a:t>최적화 및 전반적인 성능 향상</a:t>
+            </a:r>
+            <a:endParaRPr lang="ko-KR" altLang="en-US" dirty="0"/>
+          </a:p>
+        </p:txBody>
+      </p:sp>
+      <p:sp>
+        <p:nvSpPr>
+          <p:cNvPr id="18" name="TextBox 17"/>
+          <p:cNvSpPr txBox="1"/>
+          <p:nvPr/>
+        </p:nvSpPr>
+        <p:spPr>
+          <a:xfrm>
+            <a:off x="275861" y="188640"/>
+            <a:ext cx="3504051" cy="461665"/>
+          </a:xfrm>
+          <a:prstGeom prst="rect">
+            <a:avLst/>
+          </a:prstGeom>
+          <a:noFill/>
+        </p:spPr>
+        <p:txBody>
+          <a:bodyPr wrap="square" rtlCol="0">
+            <a:spAutoFit/>
+          </a:bodyPr>
+          <a:lstStyle/>
+          <a:p>
+            <a:r>
               <a:rPr lang="en-US" altLang="ko-KR" sz="2400" dirty="0" smtClean="0"/>
-              <a:t>5. </a:t>
+              <a:t>5</a:t>
+            </a:r>
+            <a:r>
+              <a:rPr lang="en-US" altLang="ko-KR" sz="2400" smtClean="0"/>
+              <a:t>. </a:t>
             </a:r>
             <a:r>
               <a:rPr lang="ko-KR" altLang="en-US" sz="2400" dirty="0" err="1" smtClean="0"/>
               <a:t>컴파일링</a:t>
             </a:r>
+            <a:r>
+              <a:rPr lang="ko-KR" altLang="en-US" sz="2400" dirty="0" smtClean="0"/>
+              <a:t> 및 최적화</a:t>
+            </a:r>
             <a:endParaRPr lang="ko-KR" altLang="en-US" sz="2400" dirty="0"/>
           </a:p>
         </p:txBody>
       </p:sp>
-      <p:pic>
-        <p:nvPicPr>
-          <p:cNvPr id="1029" name="Picture 5" descr="C:\Nam\포트폴리오 스크린샷&amp;동영상\랜타디게임화면.PNG"/>
-          <p:cNvPicPr>
-            <a:picLocks noChangeAspect="1" noChangeArrowheads="1"/>
-          </p:cNvPicPr>
-          <p:nvPr/>
-        </p:nvPicPr>
-        <p:blipFill>
-          <a:blip r:embed="rId2">
-            <a:extLst>
-              <a:ext uri="{28A0092B-C50C-407E-A947-70E740481C1C}">
-                <a14:useLocalDpi xmlns:a14="http://schemas.microsoft.com/office/drawing/2010/main" val="0"/>
-              </a:ext>
-            </a:extLst>
-          </a:blip>
-          <a:srcRect/>
-          <a:stretch>
-            <a:fillRect/>
-          </a:stretch>
-        </p:blipFill>
-        <p:spPr bwMode="auto">
-          <a:xfrm>
-            <a:off x="433670" y="4509120"/>
-            <a:ext cx="3697980" cy="1976408"/>
+      <p:sp>
+        <p:nvSpPr>
+          <p:cNvPr id="16" name="TextBox 15"/>
+          <p:cNvSpPr txBox="1"/>
+          <p:nvPr/>
+        </p:nvSpPr>
+        <p:spPr>
+          <a:xfrm>
+            <a:off x="467543" y="2128326"/>
+            <a:ext cx="1121110" cy="369332"/>
+          </a:xfrm>
+          <a:prstGeom prst="rect">
+            <a:avLst/>
+          </a:prstGeom>
+          <a:solidFill>
+            <a:schemeClr val="tx2"/>
+          </a:solidFill>
+        </p:spPr>
+        <p:txBody>
+          <a:bodyPr wrap="square" rtlCol="0">
+            <a:spAutoFit/>
+          </a:bodyPr>
+          <a:lstStyle/>
+          <a:p>
+            <a:pPr algn="ctr"/>
+            <a:r>
+              <a:rPr lang="ko-KR" altLang="en-US" dirty="0" smtClean="0">
+                <a:solidFill>
+                  <a:schemeClr val="bg1"/>
+                </a:solidFill>
+              </a:rPr>
+              <a:t>수정 전</a:t>
+            </a:r>
+            <a:endParaRPr lang="ko-KR" altLang="en-US" dirty="0">
+              <a:solidFill>
+                <a:schemeClr val="bg1"/>
+              </a:solidFill>
+            </a:endParaRPr>
+          </a:p>
+        </p:txBody>
+      </p:sp>
+      <p:sp>
+        <p:nvSpPr>
+          <p:cNvPr id="24" name="TextBox 23"/>
+          <p:cNvSpPr txBox="1"/>
+          <p:nvPr/>
+        </p:nvSpPr>
+        <p:spPr>
+          <a:xfrm>
+            <a:off x="4278982" y="2123564"/>
+            <a:ext cx="1121110" cy="369332"/>
+          </a:xfrm>
+          <a:prstGeom prst="rect">
+            <a:avLst/>
+          </a:prstGeom>
+          <a:solidFill>
+            <a:schemeClr val="tx2"/>
+          </a:solidFill>
+        </p:spPr>
+        <p:txBody>
+          <a:bodyPr wrap="square" rtlCol="0">
+            <a:spAutoFit/>
+          </a:bodyPr>
+          <a:lstStyle/>
+          <a:p>
+            <a:pPr algn="ctr"/>
+            <a:r>
+              <a:rPr lang="ko-KR" altLang="en-US" dirty="0" smtClean="0">
+                <a:solidFill>
+                  <a:schemeClr val="bg1"/>
+                </a:solidFill>
+              </a:rPr>
+              <a:t>수정 후</a:t>
+            </a:r>
+            <a:endParaRPr lang="ko-KR" altLang="en-US" dirty="0">
+              <a:solidFill>
+                <a:schemeClr val="bg1"/>
+              </a:solidFill>
+            </a:endParaRPr>
+          </a:p>
+        </p:txBody>
+      </p:sp>
+    </p:spTree>
+    <p:extLst>
+      <p:ext uri="{BB962C8B-B14F-4D97-AF65-F5344CB8AC3E}">
+        <p14:creationId xmlns:p14="http://schemas.microsoft.com/office/powerpoint/2010/main" val="2837561975"/>
+      </p:ext>
+    </p:extLst>
+  </p:cSld>
+  <p:clrMapOvr>
+    <a:masterClrMapping/>
+  </p:clrMapOvr>
+</p:sld>
+</file>
+
+<file path=ppt/slides/slide15.xml><?xml version="1.0" encoding="utf-8"?>
+<p:sld xmlns:a="http://schemas.openxmlformats.org/drawingml/2006/main" xmlns:r="http://schemas.openxmlformats.org/officeDocument/2006/relationships" xmlns:p="http://schemas.openxmlformats.org/presentationml/2006/main">
+  <p:cSld>
+    <p:spTree>
+      <p:nvGrpSpPr>
+        <p:cNvPr id="1" name=""/>
+        <p:cNvGrpSpPr/>
+        <p:nvPr/>
+      </p:nvGrpSpPr>
+      <p:grpSpPr>
+        <a:xfrm>
+          <a:off x="0" y="0"/>
+          <a:ext cx="0" cy="0"/>
+          <a:chOff x="0" y="0"/>
+          <a:chExt cx="0" cy="0"/>
+        </a:xfrm>
+      </p:grpSpPr>
+      <p:sp>
+        <p:nvSpPr>
+          <p:cNvPr id="8" name="TextBox 7"/>
+          <p:cNvSpPr txBox="1"/>
+          <p:nvPr/>
+        </p:nvSpPr>
+        <p:spPr>
+          <a:xfrm>
+            <a:off x="4499992" y="4851687"/>
+            <a:ext cx="4148877" cy="1200329"/>
           </a:xfrm>
           <a:prstGeom prst="rect">
             <a:avLst/>
           </a:prstGeom>
           <a:noFill/>
-          <a:extLst>
-            <a:ext uri="{909E8E84-426E-40DD-AFC4-6F175D3DCCD1}">
-              <a14:hiddenFill xmlns:a14="http://schemas.microsoft.com/office/drawing/2010/main">
-                <a:solidFill>
-                  <a:srgbClr val="FFFFFF"/>
-                </a:solidFill>
-              </a14:hiddenFill>
-            </a:ext>
-          </a:extLst>
-        </p:spPr>
-      </p:pic>
+        </p:spPr>
+        <p:txBody>
+          <a:bodyPr wrap="square" rtlCol="0">
+            <a:spAutoFit/>
+          </a:bodyPr>
+          <a:lstStyle/>
+          <a:p>
+            <a:r>
+              <a:rPr lang="ko-KR" altLang="en-US" dirty="0" smtClean="0"/>
+              <a:t>스크립트 최대 실행 시간 </a:t>
+            </a:r>
+            <a:r>
+              <a:rPr lang="en-US" altLang="ko-KR" dirty="0" smtClean="0"/>
+              <a:t>: 1.5ms </a:t>
+            </a:r>
+            <a:r>
+              <a:rPr lang="ko-KR" altLang="en-US" dirty="0" smtClean="0"/>
+              <a:t>이하</a:t>
+            </a:r>
+            <a:endParaRPr lang="en-US" altLang="ko-KR" dirty="0"/>
+          </a:p>
+          <a:p>
+            <a:r>
+              <a:rPr lang="ko-KR" altLang="en-US" dirty="0" smtClean="0"/>
+              <a:t>프레임 </a:t>
+            </a:r>
+            <a:r>
+              <a:rPr lang="en-US" altLang="ko-KR" dirty="0" smtClean="0"/>
+              <a:t>: 70~80 FPS</a:t>
+            </a:r>
+          </a:p>
+          <a:p>
+            <a:endParaRPr lang="en-US" altLang="ko-KR" dirty="0" smtClean="0"/>
+          </a:p>
+          <a:p>
+            <a:r>
+              <a:rPr lang="ko-KR" altLang="en-US" dirty="0" err="1" smtClean="0"/>
+              <a:t>퍼포먼스의</a:t>
+            </a:r>
+            <a:r>
+              <a:rPr lang="ko-KR" altLang="en-US" dirty="0" smtClean="0"/>
+              <a:t> </a:t>
+            </a:r>
+            <a:r>
+              <a:rPr lang="ko-KR" altLang="en-US" dirty="0"/>
+              <a:t>문제는 발생하지 </a:t>
+            </a:r>
+            <a:r>
+              <a:rPr lang="ko-KR" altLang="en-US" dirty="0" smtClean="0"/>
+              <a:t>않음</a:t>
+            </a:r>
+            <a:endParaRPr lang="ko-KR" altLang="en-US" dirty="0"/>
+          </a:p>
+        </p:txBody>
+      </p:sp>
       <p:pic>
         <p:nvPicPr>
           <p:cNvPr id="1031" name="Picture 7" descr="C:\Nam\포트폴리오 스크린샷&amp;동영상\랜타디 프로파일.PNG"/>
@@ -6870,7 +7336,7 @@
           <p:nvPr/>
         </p:nvPicPr>
         <p:blipFill rotWithShape="1">
-          <a:blip r:embed="rId3">
+          <a:blip r:embed="rId2">
             <a:extLst>
               <a:ext uri="{28A0092B-C50C-407E-A947-70E740481C1C}">
                 <a14:useLocalDpi xmlns:a14="http://schemas.microsoft.com/office/drawing/2010/main" val="0"/>
@@ -6882,8 +7348,81 @@
         </p:blipFill>
         <p:spPr bwMode="auto">
           <a:xfrm>
-            <a:off x="433669" y="764704"/>
+            <a:off x="179512" y="585959"/>
             <a:ext cx="7271123" cy="3579099"/>
+          </a:xfrm>
+          <a:prstGeom prst="rect">
+            <a:avLst/>
+          </a:prstGeom>
+          <a:noFill/>
+          <a:extLst>
+            <a:ext uri="{909E8E84-426E-40DD-AFC4-6F175D3DCCD1}">
+              <a14:hiddenFill xmlns:a14="http://schemas.microsoft.com/office/drawing/2010/main">
+                <a:solidFill>
+                  <a:srgbClr val="FFFFFF"/>
+                </a:solidFill>
+              </a14:hiddenFill>
+            </a:ext>
+          </a:extLst>
+        </p:spPr>
+      </p:pic>
+      <p:sp>
+        <p:nvSpPr>
+          <p:cNvPr id="6" name="TextBox 5"/>
+          <p:cNvSpPr txBox="1"/>
+          <p:nvPr/>
+        </p:nvSpPr>
+        <p:spPr>
+          <a:xfrm>
+            <a:off x="107504" y="124294"/>
+            <a:ext cx="4519190" cy="461665"/>
+          </a:xfrm>
+          <a:prstGeom prst="rect">
+            <a:avLst/>
+          </a:prstGeom>
+          <a:noFill/>
+        </p:spPr>
+        <p:txBody>
+          <a:bodyPr wrap="square" rtlCol="0">
+            <a:spAutoFit/>
+          </a:bodyPr>
+          <a:lstStyle/>
+          <a:p>
+            <a:r>
+              <a:rPr lang="en-US" altLang="ko-KR" sz="2400" dirty="0" smtClean="0"/>
+              <a:t>2) </a:t>
+            </a:r>
+            <a:r>
+              <a:rPr lang="ko-KR" altLang="en-US" sz="2400" dirty="0" smtClean="0"/>
+              <a:t>성능 측정</a:t>
+            </a:r>
+            <a:endParaRPr lang="ko-KR" altLang="en-US" sz="2400" dirty="0"/>
+          </a:p>
+        </p:txBody>
+      </p:sp>
+      <p:pic>
+        <p:nvPicPr>
+          <p:cNvPr id="2050" name="Picture 2" descr="C:\Nam\포트폴리오 스크린샷&amp;동영상\게임화면프레임.PNG"/>
+          <p:cNvPicPr>
+            <a:picLocks noChangeAspect="1" noChangeArrowheads="1"/>
+          </p:cNvPicPr>
+          <p:nvPr/>
+        </p:nvPicPr>
+        <p:blipFill rotWithShape="1">
+          <a:blip r:embed="rId3">
+            <a:extLst>
+              <a:ext uri="{28A0092B-C50C-407E-A947-70E740481C1C}">
+                <a14:useLocalDpi xmlns:a14="http://schemas.microsoft.com/office/drawing/2010/main" val="0"/>
+              </a:ext>
+            </a:extLst>
+          </a:blip>
+          <a:srcRect l="27281" b="42547"/>
+          <a:stretch/>
+        </p:blipFill>
+        <p:spPr bwMode="auto">
+          <a:xfrm>
+            <a:off x="179512" y="4365104"/>
+            <a:ext cx="4103216" cy="2173496"/>
           </a:xfrm>
           <a:prstGeom prst="rect">
             <a:avLst/>
@@ -7472,6 +8011,10 @@
             <a:r>
               <a:rPr lang="ko-KR" altLang="en-US" sz="2400" dirty="0" err="1" smtClean="0"/>
               <a:t>컴파일링</a:t>
+            </a:r>
+            <a:r>
+              <a:rPr lang="ko-KR" altLang="en-US" sz="2400" dirty="0" smtClean="0"/>
+              <a:t> 및 최적화</a:t>
             </a:r>
             <a:endParaRPr lang="ko-KR" altLang="en-US" sz="2400" dirty="0"/>
           </a:p>
